--- a/PostgreSQL.pptx
+++ b/PostgreSQL.pptx
@@ -7,12 +7,17 @@
   <p:sldIdLst>
     <p:sldId id="256" r:id="rId2"/>
     <p:sldId id="257" r:id="rId3"/>
-    <p:sldId id="258" r:id="rId4"/>
-    <p:sldId id="259" r:id="rId5"/>
-    <p:sldId id="260" r:id="rId6"/>
-    <p:sldId id="261" r:id="rId7"/>
-    <p:sldId id="262" r:id="rId8"/>
-    <p:sldId id="263" r:id="rId9"/>
+    <p:sldId id="264" r:id="rId4"/>
+    <p:sldId id="265" r:id="rId5"/>
+    <p:sldId id="258" r:id="rId6"/>
+    <p:sldId id="259" r:id="rId7"/>
+    <p:sldId id="260" r:id="rId8"/>
+    <p:sldId id="261" r:id="rId9"/>
+    <p:sldId id="262" r:id="rId10"/>
+    <p:sldId id="268" r:id="rId11"/>
+    <p:sldId id="269" r:id="rId12"/>
+    <p:sldId id="263" r:id="rId13"/>
+    <p:sldId id="266" r:id="rId14"/>
   </p:sldIdLst>
   <p:sldSz cx="12192000" cy="6858000"/>
   <p:notesSz cx="6858000" cy="9144000"/>
@@ -111,6 +116,11 @@
       </a:defRPr>
     </a:lvl9pPr>
   </p:defaultTextStyle>
+  <p:extLst>
+    <p:ext uri="{EFAFB233-063F-42B5-8137-9DF3F51BA10A}">
+      <p15:sldGuideLst xmlns:p15="http://schemas.microsoft.com/office/powerpoint/2012/main"/>
+    </p:ext>
+  </p:extLst>
 </p:presentation>
 </file>
 
@@ -6165,6 +6175,552 @@
 </p:sld>
 </file>
 
+<file path=ppt/slides/slide10.xml><?xml version="1.0" encoding="utf-8"?>
+<p:sld xmlns:a="http://schemas.openxmlformats.org/drawingml/2006/main" xmlns:r="http://schemas.openxmlformats.org/officeDocument/2006/relationships" xmlns:p="http://schemas.openxmlformats.org/presentationml/2006/main">
+  <p:cSld>
+    <p:spTree>
+      <p:nvGrpSpPr>
+        <p:cNvPr id="1" name=""/>
+        <p:cNvGrpSpPr/>
+        <p:nvPr/>
+      </p:nvGrpSpPr>
+      <p:grpSpPr>
+        <a:xfrm>
+          <a:off x="0" y="0"/>
+          <a:ext cx="0" cy="0"/>
+          <a:chOff x="0" y="0"/>
+          <a:chExt cx="0" cy="0"/>
+        </a:xfrm>
+      </p:grpSpPr>
+      <p:pic>
+        <p:nvPicPr>
+          <p:cNvPr id="4" name="Picture 3"/>
+          <p:cNvPicPr>
+            <a:picLocks noChangeAspect="1"/>
+          </p:cNvPicPr>
+          <p:nvPr/>
+        </p:nvPicPr>
+        <p:blipFill>
+          <a:blip r:embed="rId2">
+            <a:extLst>
+              <a:ext uri="{28A0092B-C50C-407E-A947-70E740481C1C}">
+                <a14:useLocalDpi xmlns:a14="http://schemas.microsoft.com/office/drawing/2010/main" val="0"/>
+              </a:ext>
+            </a:extLst>
+          </a:blip>
+          <a:stretch>
+            <a:fillRect/>
+          </a:stretch>
+        </p:blipFill>
+        <p:spPr>
+          <a:xfrm>
+            <a:off x="7611763" y="1779375"/>
+            <a:ext cx="3896498" cy="3698788"/>
+          </a:xfrm>
+          <a:prstGeom prst="rect">
+            <a:avLst/>
+          </a:prstGeom>
+        </p:spPr>
+      </p:pic>
+      <p:sp>
+        <p:nvSpPr>
+          <p:cNvPr id="2" name="Title 1"/>
+          <p:cNvSpPr>
+            <a:spLocks noGrp="1"/>
+          </p:cNvSpPr>
+          <p:nvPr>
+            <p:ph type="title"/>
+          </p:nvPr>
+        </p:nvSpPr>
+        <p:spPr/>
+        <p:txBody>
+          <a:bodyPr>
+            <a:normAutofit fontScale="90000"/>
+          </a:bodyPr>
+          <a:lstStyle/>
+          <a:p>
+            <a:r>
+              <a:rPr lang="en-IE" dirty="0" smtClean="0"/>
+              <a:t>Scalability, AVAILABILITY &amp; </a:t>
+            </a:r>
+            <a:r>
+              <a:rPr lang="en-IE" dirty="0" smtClean="0"/>
+              <a:t>REPLICATION</a:t>
+            </a:r>
+            <a:br>
+              <a:rPr lang="en-IE" dirty="0" smtClean="0"/>
+            </a:br>
+            <a:r>
+              <a:rPr lang="en-IE" sz="2200" dirty="0" smtClean="0"/>
+              <a:t>HOT stand by</a:t>
+            </a:r>
+            <a:endParaRPr lang="en-IE" sz="2200" dirty="0"/>
+          </a:p>
+        </p:txBody>
+      </p:sp>
+      <p:sp>
+        <p:nvSpPr>
+          <p:cNvPr id="3" name="Content Placeholder 2"/>
+          <p:cNvSpPr>
+            <a:spLocks noGrp="1"/>
+          </p:cNvSpPr>
+          <p:nvPr>
+            <p:ph sz="quarter" idx="13"/>
+          </p:nvPr>
+        </p:nvSpPr>
+        <p:spPr/>
+        <p:txBody>
+          <a:bodyPr>
+            <a:normAutofit/>
+          </a:bodyPr>
+          <a:lstStyle/>
+          <a:p>
+            <a:r>
+              <a:rPr lang="en-IE" sz="1800" dirty="0"/>
+              <a:t>capability to run queries on a database that is currently </a:t>
+            </a:r>
+            <a:r>
+              <a:rPr lang="en-IE" sz="1800" dirty="0" smtClean="0"/>
+              <a:t>                                                                                                performing </a:t>
+            </a:r>
+            <a:r>
+              <a:rPr lang="en-IE" sz="1800" dirty="0"/>
+              <a:t>archive </a:t>
+            </a:r>
+            <a:r>
+              <a:rPr lang="en-IE" sz="1800" dirty="0" smtClean="0"/>
+              <a:t>recovery </a:t>
+            </a:r>
+          </a:p>
+          <a:p>
+            <a:r>
+              <a:rPr lang="en-IE" dirty="0"/>
+              <a:t>Standby nodes can then be used for read-only query </a:t>
+            </a:r>
+            <a:r>
+              <a:rPr lang="en-IE" dirty="0" smtClean="0"/>
+              <a:t>access</a:t>
+            </a:r>
+            <a:endParaRPr lang="en-IE" dirty="0"/>
+          </a:p>
+          <a:p>
+            <a:r>
+              <a:rPr lang="en-IE" dirty="0" smtClean="0"/>
+              <a:t>USES (</a:t>
+            </a:r>
+            <a:r>
+              <a:rPr lang="en-IE" dirty="0"/>
+              <a:t>Point-in-Time </a:t>
+            </a:r>
+            <a:r>
+              <a:rPr lang="en-IE" dirty="0" smtClean="0"/>
+              <a:t>Recovery, scalability,  AVAILABILITY)</a:t>
+            </a:r>
+          </a:p>
+          <a:p>
+            <a:r>
+              <a:rPr lang="en-IE" dirty="0" smtClean="0"/>
+              <a:t>Failover (slave promoted)</a:t>
+            </a:r>
+          </a:p>
+        </p:txBody>
+      </p:sp>
+    </p:spTree>
+    <p:extLst>
+      <p:ext uri="{BB962C8B-B14F-4D97-AF65-F5344CB8AC3E}">
+        <p14:creationId xmlns:p14="http://schemas.microsoft.com/office/powerpoint/2010/main" val="2841862433"/>
+      </p:ext>
+    </p:extLst>
+  </p:cSld>
+  <p:clrMapOvr>
+    <a:masterClrMapping/>
+  </p:clrMapOvr>
+  <p:timing>
+    <p:tnLst>
+      <p:par>
+        <p:cTn id="1" dur="indefinite" restart="never" nodeType="tmRoot"/>
+      </p:par>
+    </p:tnLst>
+  </p:timing>
+</p:sld>
+</file>
+
+<file path=ppt/slides/slide11.xml><?xml version="1.0" encoding="utf-8"?>
+<p:sld xmlns:a="http://schemas.openxmlformats.org/drawingml/2006/main" xmlns:r="http://schemas.openxmlformats.org/officeDocument/2006/relationships" xmlns:p="http://schemas.openxmlformats.org/presentationml/2006/main">
+  <p:cSld>
+    <p:spTree>
+      <p:nvGrpSpPr>
+        <p:cNvPr id="1" name=""/>
+        <p:cNvGrpSpPr/>
+        <p:nvPr/>
+      </p:nvGrpSpPr>
+      <p:grpSpPr>
+        <a:xfrm>
+          <a:off x="0" y="0"/>
+          <a:ext cx="0" cy="0"/>
+          <a:chOff x="0" y="0"/>
+          <a:chExt cx="0" cy="0"/>
+        </a:xfrm>
+      </p:grpSpPr>
+      <p:pic>
+        <p:nvPicPr>
+          <p:cNvPr id="5" name="Picture 4"/>
+          <p:cNvPicPr>
+            <a:picLocks noChangeAspect="1"/>
+          </p:cNvPicPr>
+          <p:nvPr/>
+        </p:nvPicPr>
+        <p:blipFill>
+          <a:blip r:embed="rId2">
+            <a:extLst>
+              <a:ext uri="{28A0092B-C50C-407E-A947-70E740481C1C}">
+                <a14:useLocalDpi xmlns:a14="http://schemas.microsoft.com/office/drawing/2010/main" val="0"/>
+              </a:ext>
+            </a:extLst>
+          </a:blip>
+          <a:stretch>
+            <a:fillRect/>
+          </a:stretch>
+        </p:blipFill>
+        <p:spPr>
+          <a:xfrm>
+            <a:off x="7611763" y="1779375"/>
+            <a:ext cx="3896498" cy="3698788"/>
+          </a:xfrm>
+          <a:prstGeom prst="rect">
+            <a:avLst/>
+          </a:prstGeom>
+        </p:spPr>
+      </p:pic>
+      <p:sp>
+        <p:nvSpPr>
+          <p:cNvPr id="2" name="Title 1"/>
+          <p:cNvSpPr>
+            <a:spLocks noGrp="1"/>
+          </p:cNvSpPr>
+          <p:nvPr>
+            <p:ph type="title"/>
+          </p:nvPr>
+        </p:nvSpPr>
+        <p:spPr/>
+        <p:txBody>
+          <a:bodyPr>
+            <a:normAutofit fontScale="90000"/>
+          </a:bodyPr>
+          <a:lstStyle/>
+          <a:p>
+            <a:r>
+              <a:rPr lang="en-IE" dirty="0" smtClean="0"/>
+              <a:t>Scalability, AVAILABILITY &amp; </a:t>
+            </a:r>
+            <a:r>
+              <a:rPr lang="en-IE" dirty="0" smtClean="0"/>
+              <a:t>REPLICATION</a:t>
+            </a:r>
+            <a:br>
+              <a:rPr lang="en-IE" dirty="0" smtClean="0"/>
+            </a:br>
+            <a:r>
+              <a:rPr lang="en-IE" sz="2400" dirty="0"/>
+              <a:t>STREAMING </a:t>
+            </a:r>
+            <a:r>
+              <a:rPr lang="en-IE" sz="2400" dirty="0" smtClean="0"/>
+              <a:t>REPLICATION/</a:t>
+            </a:r>
+            <a:r>
+              <a:rPr lang="en-IE" sz="2400" dirty="0"/>
+              <a:t>PgPooling </a:t>
+            </a:r>
+            <a:r>
+              <a:rPr lang="en-IE" sz="2400" dirty="0" smtClean="0"/>
+              <a:t>II with multiple slaves</a:t>
+            </a:r>
+            <a:endParaRPr lang="en-IE" sz="2400" dirty="0"/>
+          </a:p>
+        </p:txBody>
+      </p:sp>
+      <p:sp>
+        <p:nvSpPr>
+          <p:cNvPr id="3" name="Content Placeholder 2"/>
+          <p:cNvSpPr>
+            <a:spLocks noGrp="1"/>
+          </p:cNvSpPr>
+          <p:nvPr>
+            <p:ph sz="quarter" idx="13"/>
+          </p:nvPr>
+        </p:nvSpPr>
+        <p:spPr/>
+        <p:txBody>
+          <a:bodyPr>
+            <a:normAutofit/>
+          </a:bodyPr>
+          <a:lstStyle/>
+          <a:p>
+            <a:r>
+              <a:rPr lang="en-IE" sz="1800" dirty="0" smtClean="0"/>
+              <a:t>Wal files sent to asap </a:t>
+            </a:r>
+          </a:p>
+          <a:p>
+            <a:r>
+              <a:rPr lang="en-IE" dirty="0" err="1" smtClean="0"/>
+              <a:t>Pgpool</a:t>
+            </a:r>
+            <a:r>
+              <a:rPr lang="en-IE" dirty="0" smtClean="0"/>
+              <a:t> ii performs failover and load balancing</a:t>
+            </a:r>
+          </a:p>
+          <a:p>
+            <a:r>
+              <a:rPr lang="en-IE" sz="1800" dirty="0" smtClean="0"/>
+              <a:t>USES (</a:t>
+            </a:r>
+            <a:r>
+              <a:rPr lang="en-IE" sz="1800" dirty="0"/>
+              <a:t>Point-in-Time Recovery</a:t>
+            </a:r>
+            <a:r>
+              <a:rPr lang="en-IE" sz="1800" dirty="0" smtClean="0"/>
+              <a:t>, LOAD BALANCING, high availability)</a:t>
+            </a:r>
+          </a:p>
+        </p:txBody>
+      </p:sp>
+    </p:spTree>
+    <p:extLst>
+      <p:ext uri="{BB962C8B-B14F-4D97-AF65-F5344CB8AC3E}">
+        <p14:creationId xmlns:p14="http://schemas.microsoft.com/office/powerpoint/2010/main" val="220264270"/>
+      </p:ext>
+    </p:extLst>
+  </p:cSld>
+  <p:clrMapOvr>
+    <a:masterClrMapping/>
+  </p:clrMapOvr>
+  <p:timing>
+    <p:tnLst>
+      <p:par>
+        <p:cTn id="1" dur="indefinite" restart="never" nodeType="tmRoot"/>
+      </p:par>
+    </p:tnLst>
+  </p:timing>
+</p:sld>
+</file>
+
+<file path=ppt/slides/slide12.xml><?xml version="1.0" encoding="utf-8"?>
+<p:sld xmlns:a="http://schemas.openxmlformats.org/drawingml/2006/main" xmlns:r="http://schemas.openxmlformats.org/officeDocument/2006/relationships" xmlns:p="http://schemas.openxmlformats.org/presentationml/2006/main">
+  <p:cSld>
+    <p:spTree>
+      <p:nvGrpSpPr>
+        <p:cNvPr id="1" name=""/>
+        <p:cNvGrpSpPr/>
+        <p:nvPr/>
+      </p:nvGrpSpPr>
+      <p:grpSpPr>
+        <a:xfrm>
+          <a:off x="0" y="0"/>
+          <a:ext cx="0" cy="0"/>
+          <a:chOff x="0" y="0"/>
+          <a:chExt cx="0" cy="0"/>
+        </a:xfrm>
+      </p:grpSpPr>
+      <p:sp>
+        <p:nvSpPr>
+          <p:cNvPr id="2" name="Title 1"/>
+          <p:cNvSpPr>
+            <a:spLocks noGrp="1"/>
+          </p:cNvSpPr>
+          <p:nvPr>
+            <p:ph type="title"/>
+          </p:nvPr>
+        </p:nvSpPr>
+        <p:spPr/>
+        <p:txBody>
+          <a:bodyPr/>
+          <a:lstStyle/>
+          <a:p>
+            <a:r>
+              <a:rPr lang="en-IE" dirty="0" smtClean="0"/>
+              <a:t>Limitations	</a:t>
+            </a:r>
+            <a:endParaRPr lang="en-IE" dirty="0"/>
+          </a:p>
+        </p:txBody>
+      </p:sp>
+      <p:sp>
+        <p:nvSpPr>
+          <p:cNvPr id="3" name="Content Placeholder 2"/>
+          <p:cNvSpPr>
+            <a:spLocks noGrp="1"/>
+          </p:cNvSpPr>
+          <p:nvPr>
+            <p:ph sz="quarter" idx="13"/>
+          </p:nvPr>
+        </p:nvSpPr>
+        <p:spPr/>
+        <p:txBody>
+          <a:bodyPr/>
+          <a:lstStyle/>
+          <a:p>
+            <a:r>
+              <a:rPr lang="en-IE" dirty="0" smtClean="0"/>
+              <a:t>Replication can be difficult (recent advances</a:t>
+            </a:r>
+            <a:r>
+              <a:rPr lang="en-IE" dirty="0" smtClean="0"/>
+              <a:t>)</a:t>
+            </a:r>
+          </a:p>
+          <a:p>
+            <a:r>
+              <a:rPr lang="en-IE" dirty="0"/>
+              <a:t>read-heavy operations, PostgreSQL can be an over-kill and might </a:t>
+            </a:r>
+            <a:r>
+              <a:rPr lang="en-IE" dirty="0" smtClean="0"/>
+              <a:t>appear </a:t>
+            </a:r>
+            <a:r>
+              <a:rPr lang="en-IE" dirty="0"/>
+              <a:t>less performant </a:t>
+            </a:r>
+            <a:endParaRPr lang="en-IE" dirty="0" smtClean="0"/>
+          </a:p>
+          <a:p>
+            <a:r>
+              <a:rPr lang="en-IE" dirty="0" smtClean="0"/>
+              <a:t>Dose not work well with </a:t>
+            </a:r>
+            <a:r>
+              <a:rPr lang="en-IE" dirty="0" smtClean="0"/>
+              <a:t>windows</a:t>
+            </a:r>
+          </a:p>
+          <a:p>
+            <a:r>
+              <a:rPr lang="en-IE" dirty="0" smtClean="0"/>
+              <a:t>Difficult to find hosting</a:t>
+            </a:r>
+            <a:endParaRPr lang="en-IE" dirty="0"/>
+          </a:p>
+        </p:txBody>
+      </p:sp>
+    </p:spTree>
+    <p:extLst>
+      <p:ext uri="{BB962C8B-B14F-4D97-AF65-F5344CB8AC3E}">
+        <p14:creationId xmlns:p14="http://schemas.microsoft.com/office/powerpoint/2010/main" val="3558181495"/>
+      </p:ext>
+    </p:extLst>
+  </p:cSld>
+  <p:clrMapOvr>
+    <a:masterClrMapping/>
+  </p:clrMapOvr>
+  <p:timing>
+    <p:tnLst>
+      <p:par>
+        <p:cTn id="1" dur="indefinite" restart="never" nodeType="tmRoot"/>
+      </p:par>
+    </p:tnLst>
+  </p:timing>
+</p:sld>
+</file>
+
+<file path=ppt/slides/slide13.xml><?xml version="1.0" encoding="utf-8"?>
+<p:sld xmlns:a="http://schemas.openxmlformats.org/drawingml/2006/main" xmlns:r="http://schemas.openxmlformats.org/officeDocument/2006/relationships" xmlns:p="http://schemas.openxmlformats.org/presentationml/2006/main">
+  <p:cSld>
+    <p:spTree>
+      <p:nvGrpSpPr>
+        <p:cNvPr id="1" name=""/>
+        <p:cNvGrpSpPr/>
+        <p:nvPr/>
+      </p:nvGrpSpPr>
+      <p:grpSpPr>
+        <a:xfrm>
+          <a:off x="0" y="0"/>
+          <a:ext cx="0" cy="0"/>
+          <a:chOff x="0" y="0"/>
+          <a:chExt cx="0" cy="0"/>
+        </a:xfrm>
+      </p:grpSpPr>
+      <p:sp>
+        <p:nvSpPr>
+          <p:cNvPr id="2" name="Title 1"/>
+          <p:cNvSpPr>
+            <a:spLocks noGrp="1"/>
+          </p:cNvSpPr>
+          <p:nvPr>
+            <p:ph type="title"/>
+          </p:nvPr>
+        </p:nvSpPr>
+        <p:spPr/>
+        <p:txBody>
+          <a:bodyPr/>
+          <a:lstStyle/>
+          <a:p>
+            <a:r>
+              <a:rPr lang="en-IE" dirty="0" smtClean="0"/>
+              <a:t>Example queries	</a:t>
+            </a:r>
+            <a:endParaRPr lang="en-IE" dirty="0"/>
+          </a:p>
+        </p:txBody>
+      </p:sp>
+      <p:sp>
+        <p:nvSpPr>
+          <p:cNvPr id="3" name="Content Placeholder 2"/>
+          <p:cNvSpPr>
+            <a:spLocks noGrp="1"/>
+          </p:cNvSpPr>
+          <p:nvPr>
+            <p:ph sz="quarter" idx="13"/>
+          </p:nvPr>
+        </p:nvSpPr>
+        <p:spPr/>
+        <p:txBody>
+          <a:bodyPr/>
+          <a:lstStyle/>
+          <a:p>
+            <a:r>
+              <a:rPr lang="en-IE" dirty="0" smtClean="0"/>
+              <a:t>Queries using JSON, JSONB, Arrays, inheritance </a:t>
+            </a:r>
+          </a:p>
+          <a:p>
+            <a:pPr marL="0" indent="0">
+              <a:buNone/>
+            </a:pPr>
+            <a:r>
+              <a:rPr lang="en-IE" dirty="0"/>
+              <a:t> </a:t>
+            </a:r>
+            <a:r>
+              <a:rPr lang="en-IE" dirty="0" smtClean="0"/>
+              <a:t>    </a:t>
+            </a:r>
+            <a:r>
+              <a:rPr lang="en-IE" dirty="0" smtClean="0">
+                <a:hlinkClick r:id="rId2"/>
+              </a:rPr>
+              <a:t>https://github.com/Alanmugz/PostGreSQL/blob/master/Code%20snippets.sql</a:t>
+            </a:r>
+            <a:endParaRPr lang="en-IE" dirty="0"/>
+          </a:p>
+        </p:txBody>
+      </p:sp>
+    </p:spTree>
+    <p:extLst>
+      <p:ext uri="{BB962C8B-B14F-4D97-AF65-F5344CB8AC3E}">
+        <p14:creationId xmlns:p14="http://schemas.microsoft.com/office/powerpoint/2010/main" val="949426496"/>
+      </p:ext>
+    </p:extLst>
+  </p:cSld>
+  <p:clrMapOvr>
+    <a:masterClrMapping/>
+  </p:clrMapOvr>
+</p:sld>
+</file>
+
 <file path=ppt/slides/slide2.xml><?xml version="1.0" encoding="utf-8"?>
 <p:sld xmlns:a="http://schemas.openxmlformats.org/drawingml/2006/main" xmlns:r="http://schemas.openxmlformats.org/officeDocument/2006/relationships" xmlns:p="http://schemas.openxmlformats.org/presentationml/2006/main">
   <p:cSld>
@@ -6272,18 +6828,14 @@
               <a:rPr lang="en-IE" dirty="0" smtClean="0"/>
               <a:t>environments</a:t>
             </a:r>
-          </a:p>
-          <a:p>
-            <a:r>
-              <a:rPr lang="en-IE" dirty="0" smtClean="0"/>
-              <a:t>Google, skype, redhat, hp</a:t>
-            </a:r>
-          </a:p>
-          <a:p>
-            <a:pPr marL="0" indent="0">
-              <a:buNone/>
-            </a:pPr>
             <a:endParaRPr lang="en-IE" dirty="0"/>
+          </a:p>
+          <a:p>
+            <a:r>
+              <a:rPr lang="en-IE" dirty="0" smtClean="0"/>
+              <a:t>Sponsors (google, redhat, hp, skype)</a:t>
+            </a:r>
+            <a:endParaRPr lang="en-IE" dirty="0" smtClean="0"/>
           </a:p>
         </p:txBody>
       </p:sp>
@@ -6341,7 +6893,7 @@
           <a:p>
             <a:r>
               <a:rPr lang="en-IE" dirty="0" smtClean="0"/>
-              <a:t>common sql features</a:t>
+              <a:t>Who uses PostgreSQL</a:t>
             </a:r>
             <a:endParaRPr lang="en-IE" dirty="0"/>
           </a:p>
@@ -6359,35 +6911,45 @@
         </p:nvSpPr>
         <p:spPr/>
         <p:txBody>
-          <a:bodyPr>
-            <a:normAutofit/>
-          </a:bodyPr>
-          <a:lstStyle/>
-          <a:p>
-            <a:r>
-              <a:rPr lang="en-IE" dirty="0" smtClean="0"/>
-              <a:t>Fully sql compliant</a:t>
-            </a:r>
-          </a:p>
-          <a:p>
-            <a:r>
-              <a:rPr lang="en-IE" dirty="0" smtClean="0"/>
-              <a:t>Data integrity</a:t>
-            </a:r>
-          </a:p>
-          <a:p>
-            <a:r>
-              <a:rPr lang="en-IE" dirty="0" smtClean="0"/>
-              <a:t>Indexing (more later)</a:t>
-            </a:r>
-          </a:p>
-          <a:p>
-            <a:r>
-              <a:rPr lang="en-IE" dirty="0" smtClean="0"/>
-              <a:t>Stored procedures (with a difference)</a:t>
-            </a:r>
-          </a:p>
-          <a:p>
+          <a:bodyPr/>
+          <a:lstStyle/>
+          <a:p>
+            <a:r>
+              <a:rPr lang="en-IE" dirty="0" smtClean="0"/>
+              <a:t>McAfee</a:t>
+            </a:r>
+          </a:p>
+          <a:p>
+            <a:r>
+              <a:rPr lang="en-IE" dirty="0" smtClean="0"/>
+              <a:t>Last FM</a:t>
+            </a:r>
+          </a:p>
+          <a:p>
+            <a:r>
+              <a:rPr lang="en-IE" dirty="0" smtClean="0"/>
+              <a:t>Faa</a:t>
+            </a:r>
+          </a:p>
+          <a:p>
+            <a:r>
+              <a:rPr lang="en-IE" dirty="0" smtClean="0"/>
+              <a:t>Skype </a:t>
+            </a:r>
+          </a:p>
+          <a:p>
+            <a:r>
+              <a:rPr lang="en-IE" dirty="0" smtClean="0"/>
+              <a:t>Hi5 (6</a:t>
+            </a:r>
+            <a:r>
+              <a:rPr lang="en-IE" baseline="30000" dirty="0" smtClean="0"/>
+              <a:t>th</a:t>
+            </a:r>
+            <a:r>
+              <a:rPr lang="en-IE" dirty="0" smtClean="0"/>
+              <a:t> in the all time most visited website list)</a:t>
+            </a:r>
             <a:endParaRPr lang="en-IE" dirty="0"/>
           </a:p>
         </p:txBody>
@@ -6395,20 +6957,13 @@
     </p:spTree>
     <p:extLst>
       <p:ext uri="{BB962C8B-B14F-4D97-AF65-F5344CB8AC3E}">
-        <p14:creationId xmlns:p14="http://schemas.microsoft.com/office/powerpoint/2010/main" val="386047460"/>
+        <p14:creationId xmlns:p14="http://schemas.microsoft.com/office/powerpoint/2010/main" val="225996142"/>
       </p:ext>
     </p:extLst>
   </p:cSld>
   <p:clrMapOvr>
     <a:masterClrMapping/>
   </p:clrMapOvr>
-  <p:timing>
-    <p:tnLst>
-      <p:par>
-        <p:cTn id="1" dur="indefinite" restart="never" nodeType="tmRoot"/>
-      </p:par>
-    </p:tnLst>
-  </p:timing>
 </p:sld>
 </file>
 
@@ -6446,7 +7001,7 @@
           <a:p>
             <a:r>
               <a:rPr lang="en-IE" dirty="0" smtClean="0"/>
-              <a:t>Why PostgreSQL over sql sever</a:t>
+              <a:t>What's PostgreSQL</a:t>
             </a:r>
             <a:endParaRPr lang="en-IE" dirty="0"/>
           </a:p>
@@ -6468,46 +7023,24 @@
           <a:lstStyle/>
           <a:p>
             <a:r>
-              <a:rPr lang="en-IE" dirty="0" smtClean="0"/>
-              <a:t>Stored procedures (in your language c, java, Perl, python, ruby, JavaScript, php)</a:t>
-            </a:r>
-          </a:p>
-          <a:p>
-            <a:r>
-              <a:rPr lang="en-IE" dirty="0" smtClean="0"/>
-              <a:t>Read in Csv files</a:t>
-            </a:r>
-          </a:p>
-          <a:p>
-            <a:r>
-              <a:rPr lang="en-IE" dirty="0" smtClean="0"/>
-              <a:t>Ergonomics</a:t>
-            </a:r>
-          </a:p>
-          <a:p>
-            <a:r>
-              <a:rPr lang="en-IE" dirty="0" smtClean="0"/>
-              <a:t>Inheritance</a:t>
-            </a:r>
-          </a:p>
-          <a:p>
-            <a:r>
-              <a:rPr lang="en-IE" dirty="0" smtClean="0"/>
-              <a:t>Types</a:t>
-            </a:r>
-            <a:r>
               <a:rPr lang="en-IE" dirty="0"/>
-              <a:t> </a:t>
-            </a:r>
-            <a:r>
-              <a:rPr lang="en-IE" dirty="0" smtClean="0"/>
-              <a:t>(Arrays, hstore, Range types, numeric &amp; decimal precision)</a:t>
-            </a:r>
-          </a:p>
-          <a:p>
-            <a:r>
-              <a:rPr lang="en-IE" dirty="0" smtClean="0"/>
-              <a:t>json</a:t>
+              <a:t>object-relational </a:t>
+            </a:r>
+            <a:r>
+              <a:rPr lang="en-IE" dirty="0" smtClean="0"/>
+              <a:t>database</a:t>
+            </a:r>
+          </a:p>
+          <a:p>
+            <a:r>
+              <a:rPr lang="en-IE" dirty="0" smtClean="0"/>
+              <a:t>Document-orientated database</a:t>
+            </a:r>
+          </a:p>
+          <a:p>
+            <a:r>
+              <a:rPr lang="en-IE" dirty="0" smtClean="0"/>
+              <a:t>Key/value store</a:t>
             </a:r>
           </a:p>
         </p:txBody>
@@ -6515,20 +7048,13 @@
     </p:spTree>
     <p:extLst>
       <p:ext uri="{BB962C8B-B14F-4D97-AF65-F5344CB8AC3E}">
-        <p14:creationId xmlns:p14="http://schemas.microsoft.com/office/powerpoint/2010/main" val="1406682256"/>
+        <p14:creationId xmlns:p14="http://schemas.microsoft.com/office/powerpoint/2010/main" val="1920571133"/>
       </p:ext>
     </p:extLst>
   </p:cSld>
   <p:clrMapOvr>
     <a:masterClrMapping/>
   </p:clrMapOvr>
-  <p:timing>
-    <p:tnLst>
-      <p:par>
-        <p:cTn id="1" dur="indefinite" restart="never" nodeType="tmRoot"/>
-      </p:par>
-    </p:tnLst>
-  </p:timing>
 </p:sld>
 </file>
 
@@ -6566,7 +7092,7 @@
           <a:p>
             <a:r>
               <a:rPr lang="en-IE" dirty="0" smtClean="0"/>
-              <a:t>Json PostgreSQL 9.4 </a:t>
+              <a:t>common sql features</a:t>
             </a:r>
             <a:endParaRPr lang="en-IE" dirty="0"/>
           </a:p>
@@ -6585,69 +7111,42 @@
         <p:spPr/>
         <p:txBody>
           <a:bodyPr>
-            <a:normAutofit lnSpcReduction="10000"/>
+            <a:normAutofit/>
           </a:bodyPr>
           <a:lstStyle/>
           <a:p>
             <a:r>
-              <a:rPr lang="en-IE" dirty="0"/>
-              <a:t>json is stored in its plain text format </a:t>
-            </a:r>
-            <a:r>
-              <a:rPr lang="en-IE" dirty="0" smtClean="0"/>
-              <a:t>9.2</a:t>
-            </a:r>
-          </a:p>
-          <a:p>
-            <a:r>
-              <a:rPr lang="en-IE" dirty="0" smtClean="0"/>
-              <a:t>Jsonb introduced in latest version 9.4</a:t>
-            </a:r>
-          </a:p>
-          <a:p>
-            <a:r>
-              <a:rPr lang="en-IE" dirty="0" smtClean="0"/>
-              <a:t>Jsonb lives within PostgreSQL</a:t>
-            </a:r>
-          </a:p>
-          <a:p>
-            <a:r>
-              <a:rPr lang="en-IE" dirty="0" smtClean="0"/>
-              <a:t>Stored like key value pairs</a:t>
-            </a:r>
-          </a:p>
-          <a:p>
-            <a:r>
-              <a:rPr lang="en-IE" dirty="0" smtClean="0"/>
-              <a:t>New query operators in 9.4 (-&gt;, &lt;-, #@ @&gt;, &lt;@)</a:t>
-            </a:r>
-          </a:p>
-          <a:p>
-            <a:r>
-              <a:rPr lang="en-IE" dirty="0" smtClean="0"/>
-              <a:t>Use json if only storing and retrieving records</a:t>
-            </a:r>
-          </a:p>
-          <a:p>
-            <a:r>
-              <a:rPr lang="en-IE" dirty="0" smtClean="0"/>
-              <a:t>Use </a:t>
-            </a:r>
-            <a:r>
-              <a:rPr lang="en-IE" dirty="0" err="1" smtClean="0"/>
-              <a:t>jsonb</a:t>
-            </a:r>
-            <a:r>
-              <a:rPr lang="en-IE" dirty="0" smtClean="0"/>
-              <a:t> when performing lots of operations (gin indexing)</a:t>
-            </a:r>
+              <a:rPr lang="en-IE" dirty="0" smtClean="0"/>
+              <a:t>Fully sql compliant</a:t>
+            </a:r>
+          </a:p>
+          <a:p>
+            <a:r>
+              <a:rPr lang="en-IE" dirty="0" smtClean="0"/>
+              <a:t>Data integrity</a:t>
+            </a:r>
+          </a:p>
+          <a:p>
+            <a:r>
+              <a:rPr lang="en-IE" dirty="0" smtClean="0"/>
+              <a:t>Indexing (more later)</a:t>
+            </a:r>
+          </a:p>
+          <a:p>
+            <a:r>
+              <a:rPr lang="en-IE" dirty="0" smtClean="0"/>
+              <a:t>Stored procedures (with a difference)</a:t>
+            </a:r>
+          </a:p>
+          <a:p>
+            <a:endParaRPr lang="en-IE" dirty="0"/>
           </a:p>
         </p:txBody>
       </p:sp>
     </p:spTree>
     <p:extLst>
       <p:ext uri="{BB962C8B-B14F-4D97-AF65-F5344CB8AC3E}">
-        <p14:creationId xmlns:p14="http://schemas.microsoft.com/office/powerpoint/2010/main" val="3595518367"/>
+        <p14:creationId xmlns:p14="http://schemas.microsoft.com/office/powerpoint/2010/main" val="386047460"/>
       </p:ext>
     </p:extLst>
   </p:cSld>
@@ -6698,7 +7197,15 @@
           <a:p>
             <a:r>
               <a:rPr lang="en-IE" dirty="0" smtClean="0"/>
-              <a:t>Jsonb indexing (GIn index)</a:t>
+              <a:t>Why PostgreSQL over </a:t>
+            </a:r>
+            <a:r>
+              <a:rPr lang="en-IE" dirty="0" smtClean="0"/>
+              <a:t>MS sql </a:t>
+            </a:r>
+            <a:r>
+              <a:rPr lang="en-IE" dirty="0" smtClean="0"/>
+              <a:t>sever</a:t>
             </a:r>
             <a:endParaRPr lang="en-IE" dirty="0"/>
           </a:p>
@@ -6720,49 +7227,54 @@
           <a:lstStyle/>
           <a:p>
             <a:r>
+              <a:rPr lang="en-IE" dirty="0" smtClean="0"/>
+              <a:t>Stored procedures (in your language c, java, Perl, python, ruby, JavaScript, php)</a:t>
+            </a:r>
+          </a:p>
+          <a:p>
+            <a:r>
+              <a:rPr lang="en-IE" dirty="0" smtClean="0"/>
+              <a:t>Read in Csv files</a:t>
+            </a:r>
+          </a:p>
+          <a:p>
+            <a:r>
+              <a:rPr lang="en-IE" dirty="0" smtClean="0"/>
+              <a:t>Ergonomics</a:t>
+            </a:r>
+          </a:p>
+          <a:p>
+            <a:r>
+              <a:rPr lang="en-IE" dirty="0" smtClean="0"/>
+              <a:t>Inheritance</a:t>
+            </a:r>
+          </a:p>
+          <a:p>
+            <a:r>
+              <a:rPr lang="en-IE" dirty="0" smtClean="0"/>
+              <a:t>Types</a:t>
+            </a:r>
+            <a:r>
               <a:rPr lang="en-IE" dirty="0"/>
-              <a:t>Gin (galvanised inverted index)</a:t>
-            </a:r>
-          </a:p>
-          <a:p>
-            <a:r>
-              <a:rPr lang="en-IE" dirty="0" smtClean="0"/>
-              <a:t>Index is modelled on a b-tree</a:t>
-            </a:r>
-          </a:p>
-          <a:p>
-            <a:r>
-              <a:rPr lang="en-IE" dirty="0" smtClean="0"/>
-              <a:t>Heavily optimised for storing duplicate values</a:t>
-            </a:r>
-          </a:p>
-          <a:p>
-            <a:r>
-              <a:rPr lang="en-IE" dirty="0" smtClean="0"/>
-              <a:t>Duplicates stored in a paging file or tree</a:t>
-            </a:r>
-          </a:p>
-          <a:p>
-            <a:r>
-              <a:rPr lang="en-IE" dirty="0" smtClean="0"/>
-              <a:t>Re-indexing may be required</a:t>
-            </a:r>
-          </a:p>
-          <a:p>
-            <a:r>
-              <a:rPr lang="en-IE" dirty="0" smtClean="0"/>
-              <a:t>B-tree for unique indexing</a:t>
-            </a:r>
-          </a:p>
-          <a:p>
-            <a:endParaRPr lang="en-IE" dirty="0"/>
+              <a:t> </a:t>
+            </a:r>
+            <a:r>
+              <a:rPr lang="en-IE" dirty="0" smtClean="0"/>
+              <a:t>(Arrays, hstore, Range types, numeric &amp; decimal precision)</a:t>
+            </a:r>
+          </a:p>
+          <a:p>
+            <a:r>
+              <a:rPr lang="en-IE" dirty="0" smtClean="0"/>
+              <a:t>json</a:t>
+            </a:r>
           </a:p>
         </p:txBody>
       </p:sp>
     </p:spTree>
     <p:extLst>
       <p:ext uri="{BB962C8B-B14F-4D97-AF65-F5344CB8AC3E}">
-        <p14:creationId xmlns:p14="http://schemas.microsoft.com/office/powerpoint/2010/main" val="2824412770"/>
+        <p14:creationId xmlns:p14="http://schemas.microsoft.com/office/powerpoint/2010/main" val="1406682256"/>
       </p:ext>
     </p:extLst>
   </p:cSld>
@@ -6808,61 +7320,103 @@
         </p:nvSpPr>
         <p:spPr/>
         <p:txBody>
+          <a:bodyPr/>
+          <a:lstStyle/>
+          <a:p>
+            <a:r>
+              <a:rPr lang="en-IE" dirty="0" smtClean="0"/>
+              <a:t>Json PostgreSQL 9.4 </a:t>
+            </a:r>
+            <a:endParaRPr lang="en-IE" dirty="0"/>
+          </a:p>
+        </p:txBody>
+      </p:sp>
+      <p:sp>
+        <p:nvSpPr>
+          <p:cNvPr id="3" name="Content Placeholder 2"/>
+          <p:cNvSpPr>
+            <a:spLocks noGrp="1"/>
+          </p:cNvSpPr>
+          <p:nvPr>
+            <p:ph sz="quarter" idx="13"/>
+          </p:nvPr>
+        </p:nvSpPr>
+        <p:spPr/>
+        <p:txBody>
           <a:bodyPr>
-            <a:normAutofit fontScale="90000"/>
+            <a:normAutofit lnSpcReduction="10000"/>
           </a:bodyPr>
           <a:lstStyle/>
           <a:p>
             <a:r>
-              <a:rPr lang="en-IE" dirty="0" smtClean="0"/>
-              <a:t>Scalability, AVAILABILITY &amp; REPLICATION</a:t>
-            </a:r>
-            <a:endParaRPr lang="en-IE" dirty="0"/>
-          </a:p>
-        </p:txBody>
-      </p:sp>
-      <p:sp>
-        <p:nvSpPr>
-          <p:cNvPr id="3" name="Content Placeholder 2"/>
-          <p:cNvSpPr>
-            <a:spLocks noGrp="1"/>
-          </p:cNvSpPr>
-          <p:nvPr>
-            <p:ph sz="quarter" idx="13"/>
-          </p:nvPr>
-        </p:nvSpPr>
-        <p:spPr/>
-        <p:txBody>
-          <a:bodyPr/>
-          <a:lstStyle/>
-          <a:p>
-            <a:r>
-              <a:rPr lang="en-IE" dirty="0" smtClean="0"/>
-              <a:t>WARM STANDBY</a:t>
-            </a:r>
-          </a:p>
-          <a:p>
-            <a:r>
-              <a:rPr lang="en-IE" dirty="0" smtClean="0"/>
-              <a:t>HOT STANDBY</a:t>
-            </a:r>
-          </a:p>
-          <a:p>
-            <a:r>
-              <a:rPr lang="en-IE" dirty="0" smtClean="0"/>
-              <a:t>STREAMING REPLICATION</a:t>
-            </a:r>
-          </a:p>
-          <a:p>
-            <a:r>
-              <a:rPr lang="en-IE" dirty="0" smtClean="0"/>
-              <a:t>WAL (WRITE-AHEAD LOGGING)</a:t>
-            </a:r>
-          </a:p>
-          <a:p>
-            <a:r>
               <a:rPr lang="en-IE" dirty="0"/>
-              <a:t>PgPooling II</a:t>
+              <a:t>json is stored in its plain text format </a:t>
+            </a:r>
+            <a:r>
+              <a:rPr lang="en-IE" dirty="0" smtClean="0"/>
+              <a:t>9.2</a:t>
+            </a:r>
+          </a:p>
+          <a:p>
+            <a:r>
+              <a:rPr lang="en-IE" dirty="0" smtClean="0"/>
+              <a:t>Jsonb introduced in latest version 9.4</a:t>
+            </a:r>
+          </a:p>
+          <a:p>
+            <a:r>
+              <a:rPr lang="en-IE" dirty="0" smtClean="0"/>
+              <a:t>Jsonb lives within </a:t>
+            </a:r>
+            <a:r>
+              <a:rPr lang="en-IE" dirty="0" smtClean="0"/>
+              <a:t>PostgreSQL (Stored </a:t>
+            </a:r>
+            <a:r>
+              <a:rPr lang="en-IE" dirty="0" smtClean="0"/>
+              <a:t>like key value </a:t>
+            </a:r>
+            <a:r>
+              <a:rPr lang="en-IE" dirty="0" smtClean="0"/>
+              <a:t>pairs)</a:t>
+            </a:r>
+          </a:p>
+          <a:p>
+            <a:r>
+              <a:rPr lang="en-IE" dirty="0" smtClean="0"/>
+              <a:t>Max 1gb per field</a:t>
+            </a:r>
+            <a:endParaRPr lang="en-IE" dirty="0" smtClean="0"/>
+          </a:p>
+          <a:p>
+            <a:r>
+              <a:rPr lang="en-IE" dirty="0" smtClean="0"/>
+              <a:t>New </a:t>
+            </a:r>
+            <a:r>
+              <a:rPr lang="en-IE" dirty="0" smtClean="0"/>
+              <a:t>jsonb query </a:t>
+            </a:r>
+            <a:r>
+              <a:rPr lang="en-IE" dirty="0" smtClean="0"/>
+              <a:t>operators in 9.4 </a:t>
+            </a:r>
+            <a:r>
+              <a:rPr lang="en-IE" dirty="0" smtClean="0"/>
+              <a:t>(@&gt;, &lt;@, ?, ?|, ?&amp;)</a:t>
+            </a:r>
+            <a:endParaRPr lang="en-IE" dirty="0" smtClean="0"/>
+          </a:p>
+          <a:p>
+            <a:r>
+              <a:rPr lang="en-IE" dirty="0" smtClean="0"/>
+              <a:t>Use json if only storing and retrieving records</a:t>
+            </a:r>
+          </a:p>
+          <a:p>
+            <a:r>
+              <a:rPr lang="en-IE" dirty="0" smtClean="0"/>
+              <a:t>Use jsonb when performing lots of operations (gin indexing)</a:t>
             </a:r>
           </a:p>
         </p:txBody>
@@ -6870,7 +7424,7 @@
     </p:spTree>
     <p:extLst>
       <p:ext uri="{BB962C8B-B14F-4D97-AF65-F5344CB8AC3E}">
-        <p14:creationId xmlns:p14="http://schemas.microsoft.com/office/powerpoint/2010/main" val="3220904693"/>
+        <p14:creationId xmlns:p14="http://schemas.microsoft.com/office/powerpoint/2010/main" val="3595518367"/>
       </p:ext>
     </p:extLst>
   </p:cSld>
@@ -6921,7 +7475,7 @@
           <a:p>
             <a:r>
               <a:rPr lang="en-IE" dirty="0" smtClean="0"/>
-              <a:t>Limitations	</a:t>
+              <a:t>Jsonb indexing (GIn index)</a:t>
             </a:r>
             <a:endParaRPr lang="en-IE" dirty="0"/>
           </a:p>
@@ -6943,15 +7497,41 @@
           <a:lstStyle/>
           <a:p>
             <a:r>
-              <a:rPr lang="en-IE" dirty="0" smtClean="0"/>
-              <a:t>Replication can be difficult (recent advances)</a:t>
-            </a:r>
-          </a:p>
-          <a:p>
-            <a:r>
-              <a:rPr lang="en-IE" dirty="0" smtClean="0"/>
-              <a:t>Dose not work well with windows</a:t>
-            </a:r>
+              <a:rPr lang="en-IE" dirty="0"/>
+              <a:t>Gin (galvanised inverted index)</a:t>
+            </a:r>
+          </a:p>
+          <a:p>
+            <a:r>
+              <a:rPr lang="en-IE" dirty="0" smtClean="0"/>
+              <a:t>Index is modelled on a b-tree</a:t>
+            </a:r>
+          </a:p>
+          <a:p>
+            <a:r>
+              <a:rPr lang="en-IE" dirty="0" smtClean="0"/>
+              <a:t>Heavily optimised for storing duplicate values</a:t>
+            </a:r>
+          </a:p>
+          <a:p>
+            <a:r>
+              <a:rPr lang="en-IE" dirty="0" smtClean="0"/>
+              <a:t>Duplicates stored in a paging file or tree</a:t>
+            </a:r>
+          </a:p>
+          <a:p>
+            <a:r>
+              <a:rPr lang="en-IE" dirty="0" smtClean="0"/>
+              <a:t>Re-indexing may be required</a:t>
+            </a:r>
+          </a:p>
+          <a:p>
+            <a:r>
+              <a:rPr lang="en-IE" dirty="0" smtClean="0"/>
+              <a:t>B-tree for unique indexing</a:t>
+            </a:r>
+          </a:p>
+          <a:p>
             <a:endParaRPr lang="en-IE" dirty="0"/>
           </a:p>
         </p:txBody>
@@ -6959,7 +7539,185 @@
     </p:spTree>
     <p:extLst>
       <p:ext uri="{BB962C8B-B14F-4D97-AF65-F5344CB8AC3E}">
-        <p14:creationId xmlns:p14="http://schemas.microsoft.com/office/powerpoint/2010/main" val="3558181495"/>
+        <p14:creationId xmlns:p14="http://schemas.microsoft.com/office/powerpoint/2010/main" val="2824412770"/>
+      </p:ext>
+    </p:extLst>
+  </p:cSld>
+  <p:clrMapOvr>
+    <a:masterClrMapping/>
+  </p:clrMapOvr>
+  <p:timing>
+    <p:tnLst>
+      <p:par>
+        <p:cTn id="1" dur="indefinite" restart="never" nodeType="tmRoot"/>
+      </p:par>
+    </p:tnLst>
+  </p:timing>
+</p:sld>
+</file>
+
+<file path=ppt/slides/slide9.xml><?xml version="1.0" encoding="utf-8"?>
+<p:sld xmlns:a="http://schemas.openxmlformats.org/drawingml/2006/main" xmlns:r="http://schemas.openxmlformats.org/officeDocument/2006/relationships" xmlns:p="http://schemas.openxmlformats.org/presentationml/2006/main">
+  <p:cSld>
+    <p:spTree>
+      <p:nvGrpSpPr>
+        <p:cNvPr id="1" name=""/>
+        <p:cNvGrpSpPr/>
+        <p:nvPr/>
+      </p:nvGrpSpPr>
+      <p:grpSpPr>
+        <a:xfrm>
+          <a:off x="0" y="0"/>
+          <a:ext cx="0" cy="0"/>
+          <a:chOff x="0" y="0"/>
+          <a:chExt cx="0" cy="0"/>
+        </a:xfrm>
+      </p:grpSpPr>
+      <p:pic>
+        <p:nvPicPr>
+          <p:cNvPr id="6" name="Picture 5"/>
+          <p:cNvPicPr>
+            <a:picLocks noChangeAspect="1"/>
+          </p:cNvPicPr>
+          <p:nvPr/>
+        </p:nvPicPr>
+        <p:blipFill>
+          <a:blip r:embed="rId2">
+            <a:extLst>
+              <a:ext uri="{28A0092B-C50C-407E-A947-70E740481C1C}">
+                <a14:useLocalDpi xmlns:a14="http://schemas.microsoft.com/office/drawing/2010/main" val="0"/>
+              </a:ext>
+            </a:extLst>
+          </a:blip>
+          <a:stretch>
+            <a:fillRect/>
+          </a:stretch>
+        </p:blipFill>
+        <p:spPr>
+          <a:xfrm>
+            <a:off x="7611763" y="1779376"/>
+            <a:ext cx="3896498" cy="3696854"/>
+          </a:xfrm>
+          <a:prstGeom prst="rect">
+            <a:avLst/>
+          </a:prstGeom>
+        </p:spPr>
+      </p:pic>
+      <p:sp>
+        <p:nvSpPr>
+          <p:cNvPr id="2" name="Title 1"/>
+          <p:cNvSpPr>
+            <a:spLocks noGrp="1"/>
+          </p:cNvSpPr>
+          <p:nvPr>
+            <p:ph type="title"/>
+          </p:nvPr>
+        </p:nvSpPr>
+        <p:spPr/>
+        <p:txBody>
+          <a:bodyPr>
+            <a:normAutofit fontScale="90000"/>
+          </a:bodyPr>
+          <a:lstStyle/>
+          <a:p>
+            <a:r>
+              <a:rPr lang="en-IE" dirty="0" smtClean="0"/>
+              <a:t>Scalability, AVAILABILITY &amp; </a:t>
+            </a:r>
+            <a:r>
+              <a:rPr lang="en-IE" dirty="0" smtClean="0"/>
+              <a:t>REPLICATION</a:t>
+            </a:r>
+            <a:br>
+              <a:rPr lang="en-IE" dirty="0" smtClean="0"/>
+            </a:br>
+            <a:r>
+              <a:rPr lang="en-IE" sz="2200" dirty="0" smtClean="0"/>
+              <a:t>warm stand by</a:t>
+            </a:r>
+            <a:endParaRPr lang="en-IE" sz="2200" dirty="0"/>
+          </a:p>
+        </p:txBody>
+      </p:sp>
+      <p:sp>
+        <p:nvSpPr>
+          <p:cNvPr id="3" name="Content Placeholder 2"/>
+          <p:cNvSpPr>
+            <a:spLocks noGrp="1"/>
+          </p:cNvSpPr>
+          <p:nvPr>
+            <p:ph sz="quarter" idx="13"/>
+          </p:nvPr>
+        </p:nvSpPr>
+        <p:spPr/>
+        <p:txBody>
+          <a:bodyPr>
+            <a:normAutofit fontScale="85000" lnSpcReduction="20000"/>
+          </a:bodyPr>
+          <a:lstStyle/>
+          <a:p>
+            <a:endParaRPr lang="en-IE" dirty="0" smtClean="0"/>
+          </a:p>
+          <a:p>
+            <a:r>
+              <a:rPr lang="en-IE" sz="1900" dirty="0" smtClean="0"/>
+              <a:t>ALL TRANSACTIONS WRITTEN TO WAL FILE (CAN’T SPECIFY specific TABLES)</a:t>
+            </a:r>
+            <a:endParaRPr lang="en-IE" sz="1900" dirty="0" smtClean="0"/>
+          </a:p>
+          <a:p>
+            <a:r>
+              <a:rPr lang="en-IE" dirty="0"/>
+              <a:t>periodical shipping of WAL files to the secondary </a:t>
+            </a:r>
+            <a:r>
+              <a:rPr lang="en-IE" dirty="0" smtClean="0"/>
+              <a:t>server                                                                                                                    (OR WHEN WAL IS FULL)</a:t>
+            </a:r>
+          </a:p>
+          <a:p>
+            <a:r>
+              <a:rPr lang="en-IE" dirty="0" smtClean="0"/>
+              <a:t>Async by default</a:t>
+            </a:r>
+          </a:p>
+          <a:p>
+            <a:r>
+              <a:rPr lang="en-IE" dirty="0" smtClean="0"/>
+              <a:t>NO SCHEMA REPLICATION, LOAD BALANCING, QUERY ON SLAVE</a:t>
+            </a:r>
+          </a:p>
+          <a:p>
+            <a:r>
+              <a:rPr lang="en-IE" dirty="0" smtClean="0"/>
+              <a:t>IDENTICAL MACHINES AND VERSIONS OF POSTGRESQL</a:t>
+            </a:r>
+          </a:p>
+          <a:p>
+            <a:r>
+              <a:rPr lang="en-IE" dirty="0" smtClean="0"/>
+              <a:t>MAX LOSS 1 WHOLE WAL (16MB)</a:t>
+            </a:r>
+          </a:p>
+          <a:p>
+            <a:r>
+              <a:rPr lang="en-IE" dirty="0"/>
+              <a:t>Uses (pitr</a:t>
+            </a:r>
+            <a:r>
+              <a:rPr lang="en-IE" dirty="0" smtClean="0"/>
+              <a:t>)</a:t>
+            </a:r>
+          </a:p>
+          <a:p>
+            <a:endParaRPr lang="en-IE" dirty="0" smtClean="0"/>
+          </a:p>
+        </p:txBody>
+      </p:sp>
+    </p:spTree>
+    <p:extLst>
+      <p:ext uri="{BB962C8B-B14F-4D97-AF65-F5344CB8AC3E}">
+        <p14:creationId xmlns:p14="http://schemas.microsoft.com/office/powerpoint/2010/main" val="3220904693"/>
       </p:ext>
     </p:extLst>
   </p:cSld>

--- a/PostgreSQL.pptx
+++ b/PostgreSQL.pptx
@@ -6241,11 +6241,7 @@
           <a:p>
             <a:r>
               <a:rPr lang="en-IE" dirty="0" smtClean="0"/>
-              <a:t>Scalability, AVAILABILITY &amp; </a:t>
-            </a:r>
-            <a:r>
-              <a:rPr lang="en-IE" dirty="0" smtClean="0"/>
-              <a:t>REPLICATION</a:t>
+              <a:t>Scalability, AVAILABILITY &amp; REPLICATION</a:t>
             </a:r>
             <a:br>
               <a:rPr lang="en-IE" dirty="0" smtClean="0"/>
@@ -6411,11 +6407,7 @@
           <a:p>
             <a:r>
               <a:rPr lang="en-IE" dirty="0" smtClean="0"/>
-              <a:t>Scalability, AVAILABILITY &amp; </a:t>
-            </a:r>
-            <a:r>
-              <a:rPr lang="en-IE" dirty="0" smtClean="0"/>
-              <a:t>REPLICATION</a:t>
+              <a:t>Scalability, AVAILABILITY &amp; REPLICATION</a:t>
             </a:r>
             <a:br>
               <a:rPr lang="en-IE" dirty="0" smtClean="0"/>
@@ -6565,11 +6557,7 @@
           <a:p>
             <a:r>
               <a:rPr lang="en-IE" dirty="0" smtClean="0"/>
-              <a:t>Replication can be difficult (recent advances</a:t>
-            </a:r>
-            <a:r>
-              <a:rPr lang="en-IE" dirty="0" smtClean="0"/>
-              <a:t>)</a:t>
+              <a:t>Replication can be difficult (recent advances)</a:t>
             </a:r>
           </a:p>
           <a:p>
@@ -6590,11 +6578,7 @@
           <a:p>
             <a:r>
               <a:rPr lang="en-IE" dirty="0" smtClean="0"/>
-              <a:t>Dose not work well with </a:t>
-            </a:r>
-            <a:r>
-              <a:rPr lang="en-IE" dirty="0" smtClean="0"/>
-              <a:t>windows</a:t>
+              <a:t>Dose not work well with windows</a:t>
             </a:r>
           </a:p>
           <a:p>
@@ -6682,8 +6666,31 @@
           <a:lstStyle/>
           <a:p>
             <a:r>
+              <a:rPr lang="en-IE" smtClean="0"/>
+              <a:t>Notes                                                                                                          </a:t>
+            </a:r>
+            <a:r>
+              <a:rPr lang="en-IE" smtClean="0">
+                <a:hlinkClick r:id="rId2"/>
+              </a:rPr>
+              <a:t>https</a:t>
+            </a:r>
+            <a:r>
+              <a:rPr lang="en-IE" dirty="0" smtClean="0">
+                <a:hlinkClick r:id="rId2"/>
+              </a:rPr>
+              <a:t>://github.com/Alanmugz/PostGreSQL</a:t>
+            </a:r>
+            <a:endParaRPr lang="en-IE" dirty="0" smtClean="0"/>
+          </a:p>
+          <a:p>
+            <a:r>
               <a:rPr lang="en-IE" dirty="0" smtClean="0"/>
-              <a:t>Queries using JSON, JSONB, Arrays, inheritance </a:t>
+              <a:t>Queries </a:t>
+            </a:r>
+            <a:r>
+              <a:rPr lang="en-IE" dirty="0" smtClean="0"/>
+              <a:t>using JSON, JSONB, Arrays, inheritance </a:t>
             </a:r>
           </a:p>
           <a:p>
@@ -6835,7 +6842,6 @@
               <a:rPr lang="en-IE" dirty="0" smtClean="0"/>
               <a:t>Sponsors (google, redhat, hp, skype)</a:t>
             </a:r>
-            <a:endParaRPr lang="en-IE" dirty="0" smtClean="0"/>
           </a:p>
         </p:txBody>
       </p:sp>
@@ -7197,15 +7203,7 @@
           <a:p>
             <a:r>
               <a:rPr lang="en-IE" dirty="0" smtClean="0"/>
-              <a:t>Why PostgreSQL over </a:t>
-            </a:r>
-            <a:r>
-              <a:rPr lang="en-IE" dirty="0" smtClean="0"/>
-              <a:t>MS sql </a:t>
-            </a:r>
-            <a:r>
-              <a:rPr lang="en-IE" dirty="0" smtClean="0"/>
-              <a:t>sever</a:t>
+              <a:t>Why PostgreSQL over MS sql sever</a:t>
             </a:r>
             <a:endParaRPr lang="en-IE" dirty="0"/>
           </a:p>
@@ -7366,19 +7364,7 @@
           <a:p>
             <a:r>
               <a:rPr lang="en-IE" dirty="0" smtClean="0"/>
-              <a:t>Jsonb lives within </a:t>
-            </a:r>
-            <a:r>
-              <a:rPr lang="en-IE" dirty="0" smtClean="0"/>
-              <a:t>PostgreSQL (Stored </a:t>
-            </a:r>
-            <a:r>
-              <a:rPr lang="en-IE" dirty="0" smtClean="0"/>
-              <a:t>like key value </a:t>
-            </a:r>
-            <a:r>
-              <a:rPr lang="en-IE" dirty="0" smtClean="0"/>
-              <a:t>pairs)</a:t>
+              <a:t>Jsonb lives within PostgreSQL (Stored like key value pairs)</a:t>
             </a:r>
           </a:p>
           <a:p>
@@ -7386,26 +7372,12 @@
               <a:rPr lang="en-IE" dirty="0" smtClean="0"/>
               <a:t>Max 1gb per field</a:t>
             </a:r>
-            <a:endParaRPr lang="en-IE" dirty="0" smtClean="0"/>
           </a:p>
           <a:p>
             <a:r>
               <a:rPr lang="en-IE" dirty="0" smtClean="0"/>
-              <a:t>New </a:t>
-            </a:r>
-            <a:r>
-              <a:rPr lang="en-IE" dirty="0" smtClean="0"/>
-              <a:t>jsonb query </a:t>
-            </a:r>
-            <a:r>
-              <a:rPr lang="en-IE" dirty="0" smtClean="0"/>
-              <a:t>operators in 9.4 </a:t>
-            </a:r>
-            <a:r>
-              <a:rPr lang="en-IE" dirty="0" smtClean="0"/>
-              <a:t>(@&gt;, &lt;@, ?, ?|, ?&amp;)</a:t>
-            </a:r>
-            <a:endParaRPr lang="en-IE" dirty="0" smtClean="0"/>
+              <a:t>New jsonb query operators in 9.4 (@&gt;, &lt;@, ?, ?|, ?&amp;)</a:t>
+            </a:r>
           </a:p>
           <a:p>
             <a:r>
@@ -7622,11 +7594,7 @@
           <a:p>
             <a:r>
               <a:rPr lang="en-IE" dirty="0" smtClean="0"/>
-              <a:t>Scalability, AVAILABILITY &amp; </a:t>
-            </a:r>
-            <a:r>
-              <a:rPr lang="en-IE" dirty="0" smtClean="0"/>
-              <a:t>REPLICATION</a:t>
+              <a:t>Scalability, AVAILABILITY &amp; REPLICATION</a:t>
             </a:r>
             <a:br>
               <a:rPr lang="en-IE" dirty="0" smtClean="0"/>
@@ -7663,7 +7631,6 @@
               <a:rPr lang="en-IE" sz="1900" dirty="0" smtClean="0"/>
               <a:t>ALL TRANSACTIONS WRITTEN TO WAL FILE (CAN’T SPECIFY specific TABLES)</a:t>
             </a:r>
-            <a:endParaRPr lang="en-IE" sz="1900" dirty="0" smtClean="0"/>
           </a:p>
           <a:p>
             <a:r>
